--- a/CapStoneFinalPresentation.pptx
+++ b/CapStoneFinalPresentation.pptx
@@ -111,6 +111,11 @@
       </a:defRPr>
     </a:lvl9pPr>
   </p:defaultTextStyle>
+  <p:extLst>
+    <p:ext uri="{EFAFB233-063F-42B5-8137-9DF3F51BA10A}">
+      <p15:sldGuideLst xmlns:p15="http://schemas.microsoft.com/office/powerpoint/2012/main"/>
+    </p:ext>
+  </p:extLst>
 </p:presentation>
 </file>
 
@@ -388,7 +393,7 @@
           <a:p>
             <a:fld id="{AF239A9A-B4B0-4B32-B8CD-2E25E95134C4}" type="datetimeFigureOut">
               <a:rPr lang="en-US" dirty="0"/>
-              <a:t>2/24/2019</a:t>
+              <a:t>2/28/2019</a:t>
             </a:fld>
             <a:endParaRPr lang="en-US" dirty="0"/>
           </a:p>
@@ -797,7 +802,7 @@
           <a:p>
             <a:fld id="{F25518A9-B687-4302-9395-2322403C6656}" type="datetimeFigureOut">
               <a:rPr lang="en-US" dirty="0"/>
-              <a:t>2/24/2019</a:t>
+              <a:t>2/28/2019</a:t>
             </a:fld>
             <a:endParaRPr lang="en-US" dirty="0"/>
           </a:p>
@@ -1128,7 +1133,7 @@
           <a:p>
             <a:fld id="{1A99A684-0CB7-41E9-A4DF-5D1C2CA5BF6F}" type="datetimeFigureOut">
               <a:rPr lang="en-US" dirty="0"/>
-              <a:t>2/24/2019</a:t>
+              <a:t>2/28/2019</a:t>
             </a:fld>
             <a:endParaRPr lang="en-US" dirty="0"/>
           </a:p>
@@ -1528,7 +1533,7 @@
           <a:p>
             <a:fld id="{FEDD7C35-9E19-4518-A4B2-3B09CD8CC756}" type="datetimeFigureOut">
               <a:rPr lang="en-US" dirty="0"/>
-              <a:t>2/24/2019</a:t>
+              <a:t>2/28/2019</a:t>
             </a:fld>
             <a:endParaRPr lang="en-US" dirty="0"/>
           </a:p>
@@ -2091,7 +2096,7 @@
           <a:p>
             <a:fld id="{26196DA8-8897-4DDF-BFB6-5D83863C837A}" type="datetimeFigureOut">
               <a:rPr lang="en-US" dirty="0"/>
-              <a:t>2/24/2019</a:t>
+              <a:t>2/28/2019</a:t>
             </a:fld>
             <a:endParaRPr lang="en-US" dirty="0"/>
           </a:p>
@@ -2767,7 +2772,7 @@
           <a:p>
             <a:fld id="{DCBBA708-C5F0-412D-90E2-1919F0D196AE}" type="datetimeFigureOut">
               <a:rPr lang="en-US" dirty="0"/>
-              <a:t>2/24/2019</a:t>
+              <a:t>2/28/2019</a:t>
             </a:fld>
             <a:endParaRPr lang="en-US" dirty="0"/>
           </a:p>
@@ -3675,7 +3680,7 @@
           <a:p>
             <a:fld id="{A9C8F8FA-EF43-4642-9368-3F4E33039BD9}" type="datetimeFigureOut">
               <a:rPr lang="en-US" dirty="0"/>
-              <a:t>2/24/2019</a:t>
+              <a:t>2/28/2019</a:t>
             </a:fld>
             <a:endParaRPr lang="en-US" dirty="0"/>
           </a:p>
@@ -3983,7 +3988,7 @@
           <a:p>
             <a:fld id="{6B61E721-B01C-4D5D-A3CA-2E5518383F10}" type="datetimeFigureOut">
               <a:rPr lang="en-US" dirty="0"/>
-              <a:t>2/24/2019</a:t>
+              <a:t>2/28/2019</a:t>
             </a:fld>
             <a:endParaRPr lang="en-US" dirty="0"/>
           </a:p>
@@ -4242,7 +4247,7 @@
           <a:p>
             <a:fld id="{6513FEF9-69D0-4F8C-A336-59491FBEDC47}" type="datetimeFigureOut">
               <a:rPr lang="en-US" dirty="0"/>
-              <a:t>2/24/2019</a:t>
+              <a:t>2/28/2019</a:t>
             </a:fld>
             <a:endParaRPr lang="en-US" dirty="0"/>
           </a:p>
@@ -4579,7 +4584,7 @@
           <a:p>
             <a:fld id="{A91E21DC-8981-44E6-BC8C-2BA8F673FFBB}" type="datetimeFigureOut">
               <a:rPr lang="en-US" dirty="0"/>
-              <a:t>2/24/2019</a:t>
+              <a:t>2/28/2019</a:t>
             </a:fld>
             <a:endParaRPr lang="en-US" dirty="0"/>
           </a:p>
@@ -4963,7 +4968,7 @@
           <a:p>
             <a:fld id="{AEB9C5D3-0140-4E75-8D7F-C0623D06DFD7}" type="datetimeFigureOut">
               <a:rPr lang="en-US" dirty="0"/>
-              <a:t>2/24/2019</a:t>
+              <a:t>2/28/2019</a:t>
             </a:fld>
             <a:endParaRPr lang="en-US" dirty="0"/>
           </a:p>
@@ -5334,7 +5339,7 @@
           <a:p>
             <a:fld id="{3A5666F9-5B40-48E0-8DFD-99EF944CDD22}" type="datetimeFigureOut">
               <a:rPr lang="en-US" dirty="0"/>
-              <a:t>2/24/2019</a:t>
+              <a:t>2/28/2019</a:t>
             </a:fld>
             <a:endParaRPr lang="en-US" dirty="0"/>
           </a:p>
@@ -5835,7 +5840,7 @@
           <a:p>
             <a:fld id="{2A698D6B-2C72-4E21-9893-A649C6E2A47D}" type="datetimeFigureOut">
               <a:rPr lang="en-US" dirty="0"/>
-              <a:t>2/24/2019</a:t>
+              <a:t>2/28/2019</a:t>
             </a:fld>
             <a:endParaRPr lang="en-US" dirty="0"/>
           </a:p>
@@ -6087,7 +6092,7 @@
           <a:p>
             <a:fld id="{C86811C9-A66C-49F0-970E-F7B68D9109A0}" type="datetimeFigureOut">
               <a:rPr lang="en-US" dirty="0"/>
-              <a:t>2/24/2019</a:t>
+              <a:t>2/28/2019</a:t>
             </a:fld>
             <a:endParaRPr lang="en-US" dirty="0"/>
           </a:p>
@@ -6245,7 +6250,7 @@
           <a:p>
             <a:fld id="{6C01AE78-96A2-4A23-B183-3B6DB4374FE7}" type="datetimeFigureOut">
               <a:rPr lang="en-US" dirty="0"/>
-              <a:t>2/24/2019</a:t>
+              <a:t>2/28/2019</a:t>
             </a:fld>
             <a:endParaRPr lang="en-US" dirty="0"/>
           </a:p>
@@ -6630,7 +6635,7 @@
           <a:p>
             <a:fld id="{73AE0757-B101-4811-9189-10EB2F458E2D}" type="datetimeFigureOut">
               <a:rPr lang="en-US" dirty="0"/>
-              <a:t>2/24/2019</a:t>
+              <a:t>2/28/2019</a:t>
             </a:fld>
             <a:endParaRPr lang="en-US" dirty="0"/>
           </a:p>
@@ -7034,7 +7039,7 @@
           <a:p>
             <a:fld id="{7EBDC078-589F-40E3-816C-EE21D62B5BBA}" type="datetimeFigureOut">
               <a:rPr lang="en-US" dirty="0"/>
-              <a:t>2/24/2019</a:t>
+              <a:t>2/28/2019</a:t>
             </a:fld>
             <a:endParaRPr lang="en-US" dirty="0"/>
           </a:p>
@@ -7273,7 +7278,7 @@
           <a:p>
             <a:fld id="{C7004436-CA73-4D53-89B4-2A5C7347BF2F}" type="datetimeFigureOut">
               <a:rPr lang="en-US" dirty="0"/>
-              <a:t>2/24/2019</a:t>
+              <a:t>2/28/2019</a:t>
             </a:fld>
             <a:endParaRPr lang="en-US" dirty="0"/>
           </a:p>
@@ -8451,7 +8456,15 @@
           <a:p>
             <a:r>
               <a:rPr lang="en-US" sz="2000" dirty="0"/>
-              <a:t>Applied testing data set on Random Forest model.  Random Forest model </a:t>
+              <a:t>Applied testing data set on Random Forest model.  The F1 score on Random Forest model </a:t>
+            </a:r>
+            <a:r>
+              <a:rPr lang="en-US" sz="2000"/>
+              <a:t>produce the </a:t>
+            </a:r>
+            <a:r>
+              <a:rPr lang="en-US" sz="2000" dirty="0"/>
+              <a:t>same F1 score result using validation and testing data set.</a:t>
             </a:r>
           </a:p>
           <a:p>
@@ -8536,19 +8549,24 @@
         <p:spPr/>
         <p:txBody>
           <a:bodyPr>
-            <a:normAutofit/>
+            <a:normAutofit lnSpcReduction="10000"/>
           </a:bodyPr>
           <a:lstStyle/>
           <a:p>
+            <a:pPr marL="342900" indent="-342900">
+              <a:buFont typeface="+mj-lt"/>
+              <a:buAutoNum type="arabicPeriod"/>
+            </a:pPr>
             <a:r>
               <a:rPr lang="en-US" sz="1800" dirty="0"/>
               <a:t>From the exploratory data analysis, it looks like the company start losing deals as the sales lead stays longer in the pipeline more than 10 days.  Using this information, the sales team should be able to formulate threshold levels for each supplier based on how many days a deal is in the pipeline and create alert mechanisms to expedite its progression.  </a:t>
             </a:r>
           </a:p>
           <a:p>
-            <a:endParaRPr lang="en-US" sz="1800" dirty="0"/>
-          </a:p>
-          <a:p>
+            <a:pPr marL="342900" indent="-342900">
+              <a:buFont typeface="+mj-lt"/>
+              <a:buAutoNum type="arabicPeriod"/>
+            </a:pPr>
             <a:r>
               <a:rPr lang="en-US" sz="1800" dirty="0"/>
               <a:t>More depth machine learning model should also be done.  Especially learning the interaction of other independent variables such as </a:t>
@@ -8567,7 +8585,43 @@
             </a:r>
             <a:r>
               <a:rPr lang="en-US" sz="1800" dirty="0"/>
-              <a:t>. The current Random Forest model accuracy is 83%. Other regression model such as clustering k-means model or other classification model that can produce higher accuracy should be explored.</a:t>
+              <a:t>. </a:t>
+            </a:r>
+          </a:p>
+          <a:p>
+            <a:pPr marL="342900" indent="-342900">
+              <a:buFont typeface="+mj-lt"/>
+              <a:buAutoNum type="arabicPeriod"/>
+            </a:pPr>
+            <a:r>
+              <a:rPr lang="en-US" sz="1800" dirty="0"/>
+              <a:t>The current Random Forest model F1 score is 0.55. Other regression model such as clustering k-means model or other classification model that can produce higher accuracy should be explored.</a:t>
+            </a:r>
+          </a:p>
+          <a:p>
+            <a:pPr marL="342900" indent="-342900">
+              <a:buFont typeface="+mj-lt"/>
+              <a:buAutoNum type="arabicPeriod"/>
+            </a:pPr>
+            <a:r>
+              <a:rPr lang="en-US" sz="1800" dirty="0"/>
+              <a:t>As someone who is going to need a new prediction, the variable such as </a:t>
+            </a:r>
+            <a:r>
+              <a:rPr lang="en-US" sz="1800" dirty="0" err="1"/>
+              <a:t>TotalDaysClosing</a:t>
+            </a:r>
+            <a:r>
+              <a:rPr lang="en-US" sz="1800" dirty="0"/>
+              <a:t> or </a:t>
+            </a:r>
+            <a:r>
+              <a:rPr lang="en-US" sz="1800" dirty="0" err="1"/>
+              <a:t>TotalDaysQualified</a:t>
+            </a:r>
+            <a:r>
+              <a:rPr lang="en-US" sz="1800" dirty="0"/>
+              <a:t> are moving variable as days have passed until the present time.  In order to use the prediction model, based on the two years data, the user need to be aware of these type of variable</a:t>
             </a:r>
           </a:p>
         </p:txBody>

--- a/CapStoneFinalPresentation.pptx
+++ b/CapStoneFinalPresentation.pptx
@@ -393,7 +393,7 @@
           <a:p>
             <a:fld id="{AF239A9A-B4B0-4B32-B8CD-2E25E95134C4}" type="datetimeFigureOut">
               <a:rPr lang="en-US" dirty="0"/>
-              <a:t>2/28/2019</a:t>
+              <a:t>3/1/2019</a:t>
             </a:fld>
             <a:endParaRPr lang="en-US" dirty="0"/>
           </a:p>
@@ -802,7 +802,7 @@
           <a:p>
             <a:fld id="{F25518A9-B687-4302-9395-2322403C6656}" type="datetimeFigureOut">
               <a:rPr lang="en-US" dirty="0"/>
-              <a:t>2/28/2019</a:t>
+              <a:t>3/1/2019</a:t>
             </a:fld>
             <a:endParaRPr lang="en-US" dirty="0"/>
           </a:p>
@@ -1133,7 +1133,7 @@
           <a:p>
             <a:fld id="{1A99A684-0CB7-41E9-A4DF-5D1C2CA5BF6F}" type="datetimeFigureOut">
               <a:rPr lang="en-US" dirty="0"/>
-              <a:t>2/28/2019</a:t>
+              <a:t>3/1/2019</a:t>
             </a:fld>
             <a:endParaRPr lang="en-US" dirty="0"/>
           </a:p>
@@ -1533,7 +1533,7 @@
           <a:p>
             <a:fld id="{FEDD7C35-9E19-4518-A4B2-3B09CD8CC756}" type="datetimeFigureOut">
               <a:rPr lang="en-US" dirty="0"/>
-              <a:t>2/28/2019</a:t>
+              <a:t>3/1/2019</a:t>
             </a:fld>
             <a:endParaRPr lang="en-US" dirty="0"/>
           </a:p>
@@ -2096,7 +2096,7 @@
           <a:p>
             <a:fld id="{26196DA8-8897-4DDF-BFB6-5D83863C837A}" type="datetimeFigureOut">
               <a:rPr lang="en-US" dirty="0"/>
-              <a:t>2/28/2019</a:t>
+              <a:t>3/1/2019</a:t>
             </a:fld>
             <a:endParaRPr lang="en-US" dirty="0"/>
           </a:p>
@@ -2772,7 +2772,7 @@
           <a:p>
             <a:fld id="{DCBBA708-C5F0-412D-90E2-1919F0D196AE}" type="datetimeFigureOut">
               <a:rPr lang="en-US" dirty="0"/>
-              <a:t>2/28/2019</a:t>
+              <a:t>3/1/2019</a:t>
             </a:fld>
             <a:endParaRPr lang="en-US" dirty="0"/>
           </a:p>
@@ -3680,7 +3680,7 @@
           <a:p>
             <a:fld id="{A9C8F8FA-EF43-4642-9368-3F4E33039BD9}" type="datetimeFigureOut">
               <a:rPr lang="en-US" dirty="0"/>
-              <a:t>2/28/2019</a:t>
+              <a:t>3/1/2019</a:t>
             </a:fld>
             <a:endParaRPr lang="en-US" dirty="0"/>
           </a:p>
@@ -3988,7 +3988,7 @@
           <a:p>
             <a:fld id="{6B61E721-B01C-4D5D-A3CA-2E5518383F10}" type="datetimeFigureOut">
               <a:rPr lang="en-US" dirty="0"/>
-              <a:t>2/28/2019</a:t>
+              <a:t>3/1/2019</a:t>
             </a:fld>
             <a:endParaRPr lang="en-US" dirty="0"/>
           </a:p>
@@ -4247,7 +4247,7 @@
           <a:p>
             <a:fld id="{6513FEF9-69D0-4F8C-A336-59491FBEDC47}" type="datetimeFigureOut">
               <a:rPr lang="en-US" dirty="0"/>
-              <a:t>2/28/2019</a:t>
+              <a:t>3/1/2019</a:t>
             </a:fld>
             <a:endParaRPr lang="en-US" dirty="0"/>
           </a:p>
@@ -4584,7 +4584,7 @@
           <a:p>
             <a:fld id="{A91E21DC-8981-44E6-BC8C-2BA8F673FFBB}" type="datetimeFigureOut">
               <a:rPr lang="en-US" dirty="0"/>
-              <a:t>2/28/2019</a:t>
+              <a:t>3/1/2019</a:t>
             </a:fld>
             <a:endParaRPr lang="en-US" dirty="0"/>
           </a:p>
@@ -4968,7 +4968,7 @@
           <a:p>
             <a:fld id="{AEB9C5D3-0140-4E75-8D7F-C0623D06DFD7}" type="datetimeFigureOut">
               <a:rPr lang="en-US" dirty="0"/>
-              <a:t>2/28/2019</a:t>
+              <a:t>3/1/2019</a:t>
             </a:fld>
             <a:endParaRPr lang="en-US" dirty="0"/>
           </a:p>
@@ -5339,7 +5339,7 @@
           <a:p>
             <a:fld id="{3A5666F9-5B40-48E0-8DFD-99EF944CDD22}" type="datetimeFigureOut">
               <a:rPr lang="en-US" dirty="0"/>
-              <a:t>2/28/2019</a:t>
+              <a:t>3/1/2019</a:t>
             </a:fld>
             <a:endParaRPr lang="en-US" dirty="0"/>
           </a:p>
@@ -5840,7 +5840,7 @@
           <a:p>
             <a:fld id="{2A698D6B-2C72-4E21-9893-A649C6E2A47D}" type="datetimeFigureOut">
               <a:rPr lang="en-US" dirty="0"/>
-              <a:t>2/28/2019</a:t>
+              <a:t>3/1/2019</a:t>
             </a:fld>
             <a:endParaRPr lang="en-US" dirty="0"/>
           </a:p>
@@ -6092,7 +6092,7 @@
           <a:p>
             <a:fld id="{C86811C9-A66C-49F0-970E-F7B68D9109A0}" type="datetimeFigureOut">
               <a:rPr lang="en-US" dirty="0"/>
-              <a:t>2/28/2019</a:t>
+              <a:t>3/1/2019</a:t>
             </a:fld>
             <a:endParaRPr lang="en-US" dirty="0"/>
           </a:p>
@@ -6250,7 +6250,7 @@
           <a:p>
             <a:fld id="{6C01AE78-96A2-4A23-B183-3B6DB4374FE7}" type="datetimeFigureOut">
               <a:rPr lang="en-US" dirty="0"/>
-              <a:t>2/28/2019</a:t>
+              <a:t>3/1/2019</a:t>
             </a:fld>
             <a:endParaRPr lang="en-US" dirty="0"/>
           </a:p>
@@ -6635,7 +6635,7 @@
           <a:p>
             <a:fld id="{73AE0757-B101-4811-9189-10EB2F458E2D}" type="datetimeFigureOut">
               <a:rPr lang="en-US" dirty="0"/>
-              <a:t>2/28/2019</a:t>
+              <a:t>3/1/2019</a:t>
             </a:fld>
             <a:endParaRPr lang="en-US" dirty="0"/>
           </a:p>
@@ -7039,7 +7039,7 @@
           <a:p>
             <a:fld id="{7EBDC078-589F-40E3-816C-EE21D62B5BBA}" type="datetimeFigureOut">
               <a:rPr lang="en-US" dirty="0"/>
-              <a:t>2/28/2019</a:t>
+              <a:t>3/1/2019</a:t>
             </a:fld>
             <a:endParaRPr lang="en-US" dirty="0"/>
           </a:p>
@@ -7278,7 +7278,7 @@
           <a:p>
             <a:fld id="{C7004436-CA73-4D53-89B4-2A5C7347BF2F}" type="datetimeFigureOut">
               <a:rPr lang="en-US" dirty="0"/>
-              <a:t>2/28/2019</a:t>
+              <a:t>3/1/2019</a:t>
             </a:fld>
             <a:endParaRPr lang="en-US" dirty="0"/>
           </a:p>
@@ -8456,16 +8456,13 @@
           <a:p>
             <a:r>
               <a:rPr lang="en-US" sz="2000" dirty="0"/>
-              <a:t>Applied testing data set on Random Forest model.  The F1 score on Random Forest model </a:t>
+              <a:t>Applied testing data set on Random Forest model.  The F1 score on Random Forest model produce the same F1 score result using validation and testing data </a:t>
             </a:r>
             <a:r>
               <a:rPr lang="en-US" sz="2000"/>
-              <a:t>produce the </a:t>
-            </a:r>
-            <a:r>
-              <a:rPr lang="en-US" sz="2000" dirty="0"/>
-              <a:t>same F1 score result using validation and testing data set.</a:t>
-            </a:r>
+              <a:t>set.</a:t>
+            </a:r>
+            <a:endParaRPr lang="en-US" sz="2000" dirty="0"/>
           </a:p>
           <a:p>
             <a:endParaRPr lang="en-US" sz="2000" dirty="0"/>
@@ -8549,7 +8546,7 @@
         <p:spPr/>
         <p:txBody>
           <a:bodyPr>
-            <a:normAutofit lnSpcReduction="10000"/>
+            <a:normAutofit/>
           </a:bodyPr>
           <a:lstStyle/>
           <a:p>
@@ -8595,33 +8592,15 @@
             </a:pPr>
             <a:r>
               <a:rPr lang="en-US" sz="1800" dirty="0"/>
-              <a:t>The current Random Forest model F1 score is 0.55. Other regression model such as clustering k-means model or other classification model that can produce higher accuracy should be explored.</a:t>
-            </a:r>
-          </a:p>
-          <a:p>
-            <a:pPr marL="342900" indent="-342900">
-              <a:buFont typeface="+mj-lt"/>
-              <a:buAutoNum type="arabicPeriod"/>
-            </a:pPr>
+              <a:t>The current Random Forest model F1 score is 0.55. Other classification model such as clustering </a:t>
+            </a:r>
+            <a:r>
+              <a:rPr lang="en-US" sz="1800"/>
+              <a:t>k-means or </a:t>
+            </a:r>
             <a:r>
               <a:rPr lang="en-US" sz="1800" dirty="0"/>
-              <a:t>As someone who is going to need a new prediction, the variable such as </a:t>
-            </a:r>
-            <a:r>
-              <a:rPr lang="en-US" sz="1800" dirty="0" err="1"/>
-              <a:t>TotalDaysClosing</a:t>
-            </a:r>
-            <a:r>
-              <a:rPr lang="en-US" sz="1800" dirty="0"/>
-              <a:t> or </a:t>
-            </a:r>
-            <a:r>
-              <a:rPr lang="en-US" sz="1800" dirty="0" err="1"/>
-              <a:t>TotalDaysQualified</a:t>
-            </a:r>
-            <a:r>
-              <a:rPr lang="en-US" sz="1800" dirty="0"/>
-              <a:t> are moving variable as days have passed until the present time.  In order to use the prediction model, based on the two years data, the user need to be aware of these type of variable</a:t>
+              <a:t>other classification model that can produce higher accuracy should be explored.</a:t>
             </a:r>
           </a:p>
         </p:txBody>
